--- a/docs/java-asynchronization.pptx
+++ b/docs/java-asynchronization.pptx
@@ -5,15 +5,18 @@
     <p:sldMasterId id="2147483648" r:id="rId1"/>
   </p:sldMasterIdLst>
   <p:notesMasterIdLst>
-    <p:notesMasterId r:id="rId8"/>
+    <p:notesMasterId r:id="rId11"/>
   </p:notesMasterIdLst>
   <p:sldIdLst>
     <p:sldId id="256" r:id="rId2"/>
     <p:sldId id="258" r:id="rId3"/>
-    <p:sldId id="257" r:id="rId4"/>
-    <p:sldId id="260" r:id="rId5"/>
-    <p:sldId id="259" r:id="rId6"/>
-    <p:sldId id="261" r:id="rId7"/>
+    <p:sldId id="263" r:id="rId4"/>
+    <p:sldId id="262" r:id="rId5"/>
+    <p:sldId id="264" r:id="rId6"/>
+    <p:sldId id="257" r:id="rId7"/>
+    <p:sldId id="260" r:id="rId8"/>
+    <p:sldId id="259" r:id="rId9"/>
+    <p:sldId id="261" r:id="rId10"/>
   </p:sldIdLst>
   <p:sldSz cx="12192000" cy="6858000"/>
   <p:notesSz cx="6858000" cy="9144000"/>
@@ -123,6 +126,9 @@
         </p14:section>
         <p14:section name="Java async" id="{E3908E6B-C3A2-4C8A-BCF3-4D3ECD780B3A}">
           <p14:sldIdLst>
+            <p14:sldId id="263"/>
+            <p14:sldId id="262"/>
+            <p14:sldId id="264"/>
             <p14:sldId id="257"/>
             <p14:sldId id="260"/>
           </p14:sldIdLst>
@@ -537,6 +543,94 @@
           <a:lstStyle/>
           <a:p>
             <a:r>
+              <a:rPr lang="en-US" altLang="zh-CN" smtClean="0"/>
+              <a:t>https://blog.csdn.net/lovezhaohaimig/article/details/80344299</a:t>
+            </a:r>
+            <a:endParaRPr lang="zh-CN" altLang="en-US" dirty="0"/>
+          </a:p>
+        </p:txBody>
+      </p:sp>
+      <p:sp>
+        <p:nvSpPr>
+          <p:cNvPr id="4" name="灯片编号占位符 3"/>
+          <p:cNvSpPr>
+            <a:spLocks noGrp="1"/>
+          </p:cNvSpPr>
+          <p:nvPr>
+            <p:ph type="sldNum" sz="quarter" idx="10"/>
+          </p:nvPr>
+        </p:nvSpPr>
+        <p:spPr/>
+        <p:txBody>
+          <a:bodyPr/>
+          <a:lstStyle/>
+          <a:p>
+            <a:fld id="{E8243A1E-3DA9-426A-8864-4F11F1E2E0A0}" type="slidenum">
+              <a:rPr lang="zh-CN" altLang="en-US" smtClean="0"/>
+              <a:t>3</a:t>
+            </a:fld>
+            <a:endParaRPr lang="zh-CN" altLang="en-US"/>
+          </a:p>
+        </p:txBody>
+      </p:sp>
+    </p:spTree>
+    <p:extLst>
+      <p:ext uri="{BB962C8B-B14F-4D97-AF65-F5344CB8AC3E}">
+        <p14:creationId xmlns:p14="http://schemas.microsoft.com/office/powerpoint/2010/main" val="434148553"/>
+      </p:ext>
+    </p:extLst>
+  </p:cSld>
+  <p:clrMapOvr>
+    <a:masterClrMapping/>
+  </p:clrMapOvr>
+</p:notes>
+</file>
+
+<file path=ppt/notesSlides/notesSlide2.xml><?xml version="1.0" encoding="utf-8"?>
+<p:notes xmlns:a="http://schemas.openxmlformats.org/drawingml/2006/main" xmlns:r="http://schemas.openxmlformats.org/officeDocument/2006/relationships" xmlns:p="http://schemas.openxmlformats.org/presentationml/2006/main">
+  <p:cSld>
+    <p:spTree>
+      <p:nvGrpSpPr>
+        <p:cNvPr id="1" name=""/>
+        <p:cNvGrpSpPr/>
+        <p:nvPr/>
+      </p:nvGrpSpPr>
+      <p:grpSpPr>
+        <a:xfrm>
+          <a:off x="0" y="0"/>
+          <a:ext cx="0" cy="0"/>
+          <a:chOff x="0" y="0"/>
+          <a:chExt cx="0" cy="0"/>
+        </a:xfrm>
+      </p:grpSpPr>
+      <p:sp>
+        <p:nvSpPr>
+          <p:cNvPr id="2" name="幻灯片图像占位符 1"/>
+          <p:cNvSpPr>
+            <a:spLocks noGrp="1" noRot="1" noChangeAspect="1"/>
+          </p:cNvSpPr>
+          <p:nvPr>
+            <p:ph type="sldImg"/>
+          </p:nvPr>
+        </p:nvSpPr>
+        <p:spPr/>
+      </p:sp>
+      <p:sp>
+        <p:nvSpPr>
+          <p:cNvPr id="3" name="备注占位符 2"/>
+          <p:cNvSpPr>
+            <a:spLocks noGrp="1"/>
+          </p:cNvSpPr>
+          <p:nvPr>
+            <p:ph type="body" idx="1"/>
+          </p:nvPr>
+        </p:nvSpPr>
+        <p:spPr/>
+        <p:txBody>
+          <a:bodyPr/>
+          <a:lstStyle/>
+          <a:p>
+            <a:r>
               <a:rPr lang="en-US" altLang="zh-CN" dirty="0" smtClean="0"/>
               <a:t>https://docs.spring.io/spring/docs/5.1.5.RELEASE/spring-framework-reference/integration.html#scheduling</a:t>
             </a:r>
@@ -561,7 +655,7 @@
           <a:p>
             <a:fld id="{E8243A1E-3DA9-426A-8864-4F11F1E2E0A0}" type="slidenum">
               <a:rPr lang="zh-CN" altLang="en-US" smtClean="0"/>
-              <a:t>5</a:t>
+              <a:t>8</a:t>
             </a:fld>
             <a:endParaRPr lang="zh-CN" altLang="en-US"/>
           </a:p>
@@ -3624,35 +3718,70 @@
           <a:p>
             <a:r>
               <a:rPr lang="en-US" altLang="zh-CN" dirty="0" smtClean="0"/>
-              <a:t>Future</a:t>
+              <a:t>Runnable </a:t>
+            </a:r>
+            <a:r>
+              <a:rPr lang="en-US" altLang="zh-CN" dirty="0"/>
+              <a:t>and Callable </a:t>
             </a:r>
             <a:endParaRPr lang="zh-CN" altLang="en-US" dirty="0"/>
           </a:p>
         </p:txBody>
       </p:sp>
-      <p:sp>
-        <p:nvSpPr>
-          <p:cNvPr id="3" name="内容占位符 2"/>
-          <p:cNvSpPr>
-            <a:spLocks noGrp="1"/>
-          </p:cNvSpPr>
+      <p:pic>
+        <p:nvPicPr>
+          <p:cNvPr id="5" name="内容占位符 4"/>
+          <p:cNvPicPr>
+            <a:picLocks noGrp="1" noChangeAspect="1"/>
+          </p:cNvPicPr>
           <p:nvPr>
             <p:ph idx="1"/>
           </p:nvPr>
-        </p:nvSpPr>
-        <p:spPr/>
-        <p:txBody>
-          <a:bodyPr/>
-          <a:lstStyle/>
-          <a:p>
-            <a:endParaRPr lang="zh-CN" altLang="en-US" dirty="0"/>
-          </a:p>
-        </p:txBody>
-      </p:sp>
+        </p:nvPicPr>
+        <p:blipFill>
+          <a:blip r:embed="rId3"/>
+          <a:stretch>
+            <a:fillRect/>
+          </a:stretch>
+        </p:blipFill>
+        <p:spPr>
+          <a:xfrm>
+            <a:off x="838200" y="1690688"/>
+            <a:ext cx="6657143" cy="3828571"/>
+          </a:xfrm>
+          <a:prstGeom prst="rect">
+            <a:avLst/>
+          </a:prstGeom>
+        </p:spPr>
+      </p:pic>
+      <p:pic>
+        <p:nvPicPr>
+          <p:cNvPr id="4" name="图片 3"/>
+          <p:cNvPicPr>
+            <a:picLocks noChangeAspect="1"/>
+          </p:cNvPicPr>
+          <p:nvPr/>
+        </p:nvPicPr>
+        <p:blipFill>
+          <a:blip r:embed="rId4"/>
+          <a:stretch>
+            <a:fillRect/>
+          </a:stretch>
+        </p:blipFill>
+        <p:spPr>
+          <a:xfrm>
+            <a:off x="4877610" y="4042731"/>
+            <a:ext cx="6476190" cy="2619048"/>
+          </a:xfrm>
+          <a:prstGeom prst="rect">
+            <a:avLst/>
+          </a:prstGeom>
+        </p:spPr>
+      </p:pic>
     </p:spTree>
     <p:extLst>
       <p:ext uri="{BB962C8B-B14F-4D97-AF65-F5344CB8AC3E}">
-        <p14:creationId xmlns:p14="http://schemas.microsoft.com/office/powerpoint/2010/main" val="2815887876"/>
+        <p14:creationId xmlns:p14="http://schemas.microsoft.com/office/powerpoint/2010/main" val="2953665321"/>
       </p:ext>
     </p:extLst>
   </p:cSld>
@@ -3695,36 +3824,117 @@
           <a:lstStyle/>
           <a:p>
             <a:r>
+              <a:rPr lang="en-US" altLang="zh-CN" dirty="0" smtClean="0"/>
+              <a:t>Runnable and Callable</a:t>
+            </a:r>
+            <a:endParaRPr lang="zh-CN" altLang="en-US" dirty="0"/>
+          </a:p>
+        </p:txBody>
+      </p:sp>
+      <p:sp>
+        <p:nvSpPr>
+          <p:cNvPr id="3" name="内容占位符 2"/>
+          <p:cNvSpPr>
+            <a:spLocks noGrp="1"/>
+          </p:cNvSpPr>
+          <p:nvPr>
+            <p:ph idx="1"/>
+          </p:nvPr>
+        </p:nvSpPr>
+        <p:spPr/>
+        <p:txBody>
+          <a:bodyPr/>
+          <a:lstStyle/>
+          <a:p>
+            <a:r>
+              <a:rPr lang="zh-CN" altLang="en-US" dirty="0" smtClean="0"/>
+              <a:t>两者都是接口，</a:t>
+            </a:r>
+            <a:r>
+              <a:rPr lang="en-US" altLang="zh-CN" dirty="0" smtClean="0"/>
+              <a:t>Runnable</a:t>
+            </a:r>
+            <a:r>
+              <a:rPr lang="zh-CN" altLang="en-US" dirty="0" smtClean="0"/>
+              <a:t>定义了</a:t>
+            </a:r>
+            <a:r>
+              <a:rPr lang="en-US" altLang="zh-CN" dirty="0" smtClean="0"/>
+              <a:t>run(), Callable</a:t>
+            </a:r>
+            <a:r>
+              <a:rPr lang="zh-CN" altLang="en-US" dirty="0" smtClean="0"/>
+              <a:t>定义了</a:t>
+            </a:r>
+            <a:r>
+              <a:rPr lang="en-US" altLang="zh-CN" dirty="0" smtClean="0"/>
+              <a:t>call()</a:t>
+            </a:r>
+          </a:p>
+          <a:p>
+            <a:endParaRPr lang="en-US" altLang="zh-CN" dirty="0" smtClean="0"/>
+          </a:p>
+          <a:p>
+            <a:r>
+              <a:rPr lang="en-US" altLang="zh-CN" dirty="0" smtClean="0"/>
+              <a:t>Call()</a:t>
+            </a:r>
+            <a:r>
+              <a:rPr lang="zh-CN" altLang="en-US" dirty="0" smtClean="0"/>
+              <a:t>可以抛出异常，而</a:t>
+            </a:r>
+            <a:r>
+              <a:rPr lang="en-US" altLang="zh-CN" dirty="0" smtClean="0"/>
+              <a:t>run()</a:t>
+            </a:r>
+            <a:r>
+              <a:rPr lang="zh-CN" altLang="en-US" dirty="0" smtClean="0"/>
+              <a:t>不能抛出异常</a:t>
+            </a:r>
+            <a:endParaRPr lang="en-US" altLang="zh-CN" dirty="0" smtClean="0"/>
+          </a:p>
+          <a:p>
+            <a:endParaRPr lang="en-US" altLang="zh-CN" dirty="0" smtClean="0"/>
+          </a:p>
+          <a:p>
+            <a:r>
+              <a:rPr lang="en-US" altLang="zh-CN" dirty="0" smtClean="0"/>
+              <a:t>Callable</a:t>
+            </a:r>
+            <a:r>
+              <a:rPr lang="zh-CN" altLang="en-US" dirty="0" smtClean="0"/>
+              <a:t>有返回值</a:t>
+            </a:r>
+            <a:endParaRPr lang="en-US" altLang="zh-CN" dirty="0" smtClean="0"/>
+          </a:p>
+          <a:p>
+            <a:endParaRPr lang="en-US" altLang="zh-CN" dirty="0" smtClean="0"/>
+          </a:p>
+          <a:p>
+            <a:r>
+              <a:rPr lang="en-US" altLang="zh-CN" dirty="0" smtClean="0"/>
+              <a:t>Callable</a:t>
+            </a:r>
+            <a:r>
+              <a:rPr lang="zh-CN" altLang="en-US" dirty="0" smtClean="0"/>
+              <a:t>在执行时可通过</a:t>
+            </a:r>
+            <a:r>
               <a:rPr lang="en-US" altLang="zh-CN" dirty="0" err="1" smtClean="0"/>
-              <a:t>CompletableFuture</a:t>
+              <a:t>FutureTask</a:t>
+            </a:r>
+            <a:r>
+              <a:rPr lang="zh-CN" altLang="en-US" dirty="0" smtClean="0"/>
+              <a:t>获取任务执行的状态</a:t>
             </a:r>
             <a:endParaRPr lang="zh-CN" altLang="en-US" dirty="0"/>
-          </a:p>
-        </p:txBody>
-      </p:sp>
-      <p:sp>
-        <p:nvSpPr>
-          <p:cNvPr id="3" name="内容占位符 2"/>
-          <p:cNvSpPr>
-            <a:spLocks noGrp="1"/>
-          </p:cNvSpPr>
-          <p:nvPr>
-            <p:ph idx="1"/>
-          </p:nvPr>
-        </p:nvSpPr>
-        <p:spPr/>
-        <p:txBody>
-          <a:bodyPr/>
-          <a:lstStyle/>
-          <a:p>
-            <a:endParaRPr lang="zh-CN" altLang="en-US"/>
           </a:p>
         </p:txBody>
       </p:sp>
     </p:spTree>
     <p:extLst>
       <p:ext uri="{BB962C8B-B14F-4D97-AF65-F5344CB8AC3E}">
-        <p14:creationId xmlns:p14="http://schemas.microsoft.com/office/powerpoint/2010/main" val="3323274096"/>
+        <p14:creationId xmlns:p14="http://schemas.microsoft.com/office/powerpoint/2010/main" val="1267493021"/>
       </p:ext>
     </p:extLst>
   </p:cSld>
@@ -3766,6 +3976,10 @@
           <a:bodyPr/>
           <a:lstStyle/>
           <a:p>
+            <a:r>
+              <a:rPr lang="en-US" altLang="zh-CN" dirty="0" smtClean="0"/>
+              <a:t>Runnable and Callable</a:t>
+            </a:r>
             <a:endParaRPr lang="zh-CN" altLang="en-US" dirty="0"/>
           </a:p>
         </p:txBody>
@@ -3784,6 +3998,101 @@
         <p:txBody>
           <a:bodyPr/>
           <a:lstStyle/>
+          <a:p>
+            <a:r>
+              <a:rPr lang="en-US" altLang="zh-CN" dirty="0" smtClean="0"/>
+              <a:t>Callable</a:t>
+            </a:r>
+            <a:r>
+              <a:rPr lang="zh-CN" altLang="en-US" dirty="0" smtClean="0"/>
+              <a:t>的</a:t>
+            </a:r>
+            <a:r>
+              <a:rPr lang="en-US" altLang="zh-CN" dirty="0" smtClean="0"/>
+              <a:t>call</a:t>
+            </a:r>
+            <a:r>
+              <a:rPr lang="zh-CN" altLang="en-US" dirty="0" smtClean="0"/>
+              <a:t>方法实际执行在</a:t>
+            </a:r>
+            <a:r>
+              <a:rPr lang="en-US" altLang="zh-CN" dirty="0" err="1" smtClean="0"/>
+              <a:t>Runnbale</a:t>
+            </a:r>
+            <a:r>
+              <a:rPr lang="zh-CN" altLang="en-US" dirty="0" smtClean="0"/>
+              <a:t>中的</a:t>
+            </a:r>
+            <a:r>
+              <a:rPr lang="en-US" altLang="zh-CN" dirty="0" smtClean="0"/>
+              <a:t>run</a:t>
+            </a:r>
+            <a:r>
+              <a:rPr lang="zh-CN" altLang="en-US" dirty="0" smtClean="0"/>
+              <a:t>方法</a:t>
+            </a:r>
+            <a:endParaRPr lang="en-US" altLang="zh-CN" dirty="0" smtClean="0"/>
+          </a:p>
+          <a:p>
+            <a:endParaRPr lang="en-US" altLang="zh-CN" dirty="0" smtClean="0"/>
+          </a:p>
+          <a:p>
+            <a:r>
+              <a:rPr lang="en-US" altLang="zh-CN" dirty="0" smtClean="0"/>
+              <a:t>Runnable</a:t>
+            </a:r>
+            <a:r>
+              <a:rPr lang="zh-CN" altLang="en-US" dirty="0" smtClean="0"/>
+              <a:t>实例对象需要</a:t>
+            </a:r>
+            <a:r>
+              <a:rPr lang="en-US" altLang="zh-CN" dirty="0" smtClean="0"/>
+              <a:t>Thread</a:t>
+            </a:r>
+            <a:r>
+              <a:rPr lang="zh-CN" altLang="en-US" dirty="0" smtClean="0"/>
+              <a:t>包装启动</a:t>
+            </a:r>
+            <a:endParaRPr lang="en-US" altLang="zh-CN" dirty="0" smtClean="0"/>
+          </a:p>
+          <a:p>
+            <a:endParaRPr lang="en-US" altLang="zh-CN" dirty="0" smtClean="0"/>
+          </a:p>
+          <a:p>
+            <a:r>
+              <a:rPr lang="en-US" altLang="zh-CN" dirty="0" smtClean="0"/>
+              <a:t>Callable</a:t>
+            </a:r>
+            <a:r>
+              <a:rPr lang="zh-CN" altLang="en-US" dirty="0" smtClean="0"/>
+              <a:t>先通过</a:t>
+            </a:r>
+            <a:r>
+              <a:rPr lang="en-US" altLang="zh-CN" dirty="0" err="1" smtClean="0"/>
+              <a:t>FutureTask</a:t>
+            </a:r>
+            <a:r>
+              <a:rPr lang="zh-CN" altLang="en-US" dirty="0" smtClean="0"/>
+              <a:t>（本质还是</a:t>
+            </a:r>
+            <a:r>
+              <a:rPr lang="en-US" altLang="zh-CN" dirty="0" smtClean="0"/>
+              <a:t>Runnable</a:t>
+            </a:r>
+            <a:r>
+              <a:rPr lang="zh-CN" altLang="en-US" dirty="0" smtClean="0"/>
+              <a:t>）包装，再丢给</a:t>
+            </a:r>
+            <a:r>
+              <a:rPr lang="en-US" altLang="zh-CN" dirty="0" smtClean="0"/>
+              <a:t>Thread</a:t>
+            </a:r>
+            <a:r>
+              <a:rPr lang="zh-CN" altLang="en-US" dirty="0" smtClean="0"/>
+              <a:t>包装执行</a:t>
+            </a:r>
+            <a:endParaRPr lang="en-US" altLang="zh-CN" dirty="0" smtClean="0"/>
+          </a:p>
           <a:p>
             <a:endParaRPr lang="zh-CN" altLang="en-US" dirty="0"/>
           </a:p>
@@ -3792,7 +4101,7 @@
     </p:spTree>
     <p:extLst>
       <p:ext uri="{BB962C8B-B14F-4D97-AF65-F5344CB8AC3E}">
-        <p14:creationId xmlns:p14="http://schemas.microsoft.com/office/powerpoint/2010/main" val="3719865230"/>
+        <p14:creationId xmlns:p14="http://schemas.microsoft.com/office/powerpoint/2010/main" val="3157555488"/>
       </p:ext>
     </p:extLst>
   </p:cSld>
@@ -3834,6 +4143,258 @@
           <a:bodyPr/>
           <a:lstStyle/>
           <a:p>
+            <a:r>
+              <a:rPr lang="en-US" altLang="zh-CN" dirty="0" err="1" smtClean="0"/>
+              <a:t>FutureTask</a:t>
+            </a:r>
+            <a:endParaRPr lang="zh-CN" altLang="en-US" dirty="0"/>
+          </a:p>
+        </p:txBody>
+      </p:sp>
+      <p:sp>
+        <p:nvSpPr>
+          <p:cNvPr id="3" name="内容占位符 2"/>
+          <p:cNvSpPr>
+            <a:spLocks noGrp="1"/>
+          </p:cNvSpPr>
+          <p:nvPr>
+            <p:ph idx="1"/>
+          </p:nvPr>
+        </p:nvSpPr>
+        <p:spPr/>
+        <p:txBody>
+          <a:bodyPr/>
+          <a:lstStyle/>
+          <a:p>
+            <a:r>
+              <a:rPr lang="en-US" altLang="zh-CN" dirty="0" err="1" smtClean="0"/>
+              <a:t>FutureTask</a:t>
+            </a:r>
+            <a:r>
+              <a:rPr lang="zh-CN" altLang="en-US" dirty="0" smtClean="0"/>
+              <a:t>是</a:t>
+            </a:r>
+            <a:r>
+              <a:rPr lang="en-US" altLang="zh-CN" dirty="0" smtClean="0"/>
+              <a:t>Future</a:t>
+            </a:r>
+            <a:r>
+              <a:rPr lang="zh-CN" altLang="en-US" dirty="0" smtClean="0"/>
+              <a:t>接口的唯一一个实现类</a:t>
+            </a:r>
+            <a:endParaRPr lang="zh-CN" altLang="en-US" dirty="0"/>
+          </a:p>
+        </p:txBody>
+      </p:sp>
+      <p:pic>
+        <p:nvPicPr>
+          <p:cNvPr id="4" name="图片 3"/>
+          <p:cNvPicPr>
+            <a:picLocks noChangeAspect="1"/>
+          </p:cNvPicPr>
+          <p:nvPr/>
+        </p:nvPicPr>
+        <p:blipFill>
+          <a:blip r:embed="rId2"/>
+          <a:stretch>
+            <a:fillRect/>
+          </a:stretch>
+        </p:blipFill>
+        <p:spPr>
+          <a:xfrm>
+            <a:off x="838200" y="2756234"/>
+            <a:ext cx="4021899" cy="3846488"/>
+          </a:xfrm>
+          <a:prstGeom prst="rect">
+            <a:avLst/>
+          </a:prstGeom>
+        </p:spPr>
+      </p:pic>
+    </p:spTree>
+    <p:extLst>
+      <p:ext uri="{BB962C8B-B14F-4D97-AF65-F5344CB8AC3E}">
+        <p14:creationId xmlns:p14="http://schemas.microsoft.com/office/powerpoint/2010/main" val="2815887876"/>
+      </p:ext>
+    </p:extLst>
+  </p:cSld>
+  <p:clrMapOvr>
+    <a:masterClrMapping/>
+  </p:clrMapOvr>
+</p:sld>
+</file>
+
+<file path=ppt/slides/slide7.xml><?xml version="1.0" encoding="utf-8"?>
+<p:sld xmlns:a="http://schemas.openxmlformats.org/drawingml/2006/main" xmlns:r="http://schemas.openxmlformats.org/officeDocument/2006/relationships" xmlns:p="http://schemas.openxmlformats.org/presentationml/2006/main">
+  <p:cSld>
+    <p:spTree>
+      <p:nvGrpSpPr>
+        <p:cNvPr id="1" name=""/>
+        <p:cNvGrpSpPr/>
+        <p:nvPr/>
+      </p:nvGrpSpPr>
+      <p:grpSpPr>
+        <a:xfrm>
+          <a:off x="0" y="0"/>
+          <a:ext cx="0" cy="0"/>
+          <a:chOff x="0" y="0"/>
+          <a:chExt cx="0" cy="0"/>
+        </a:xfrm>
+      </p:grpSpPr>
+      <p:sp>
+        <p:nvSpPr>
+          <p:cNvPr id="2" name="标题 1"/>
+          <p:cNvSpPr>
+            <a:spLocks noGrp="1"/>
+          </p:cNvSpPr>
+          <p:nvPr>
+            <p:ph type="title"/>
+          </p:nvPr>
+        </p:nvSpPr>
+        <p:spPr/>
+        <p:txBody>
+          <a:bodyPr/>
+          <a:lstStyle/>
+          <a:p>
+            <a:r>
+              <a:rPr lang="en-US" altLang="zh-CN" dirty="0" err="1" smtClean="0"/>
+              <a:t>CompletableFuture</a:t>
+            </a:r>
+            <a:endParaRPr lang="zh-CN" altLang="en-US" dirty="0"/>
+          </a:p>
+        </p:txBody>
+      </p:sp>
+      <p:sp>
+        <p:nvSpPr>
+          <p:cNvPr id="3" name="内容占位符 2"/>
+          <p:cNvSpPr>
+            <a:spLocks noGrp="1"/>
+          </p:cNvSpPr>
+          <p:nvPr>
+            <p:ph idx="1"/>
+          </p:nvPr>
+        </p:nvSpPr>
+        <p:spPr/>
+        <p:txBody>
+          <a:bodyPr/>
+          <a:lstStyle/>
+          <a:p>
+            <a:endParaRPr lang="zh-CN" altLang="en-US"/>
+          </a:p>
+        </p:txBody>
+      </p:sp>
+    </p:spTree>
+    <p:extLst>
+      <p:ext uri="{BB962C8B-B14F-4D97-AF65-F5344CB8AC3E}">
+        <p14:creationId xmlns:p14="http://schemas.microsoft.com/office/powerpoint/2010/main" val="3323274096"/>
+      </p:ext>
+    </p:extLst>
+  </p:cSld>
+  <p:clrMapOvr>
+    <a:masterClrMapping/>
+  </p:clrMapOvr>
+</p:sld>
+</file>
+
+<file path=ppt/slides/slide8.xml><?xml version="1.0" encoding="utf-8"?>
+<p:sld xmlns:a="http://schemas.openxmlformats.org/drawingml/2006/main" xmlns:r="http://schemas.openxmlformats.org/officeDocument/2006/relationships" xmlns:p="http://schemas.openxmlformats.org/presentationml/2006/main">
+  <p:cSld>
+    <p:spTree>
+      <p:nvGrpSpPr>
+        <p:cNvPr id="1" name=""/>
+        <p:cNvGrpSpPr/>
+        <p:nvPr/>
+      </p:nvGrpSpPr>
+      <p:grpSpPr>
+        <a:xfrm>
+          <a:off x="0" y="0"/>
+          <a:ext cx="0" cy="0"/>
+          <a:chOff x="0" y="0"/>
+          <a:chExt cx="0" cy="0"/>
+        </a:xfrm>
+      </p:grpSpPr>
+      <p:sp>
+        <p:nvSpPr>
+          <p:cNvPr id="2" name="标题 1"/>
+          <p:cNvSpPr>
+            <a:spLocks noGrp="1"/>
+          </p:cNvSpPr>
+          <p:nvPr>
+            <p:ph type="title"/>
+          </p:nvPr>
+        </p:nvSpPr>
+        <p:spPr/>
+        <p:txBody>
+          <a:bodyPr/>
+          <a:lstStyle/>
+          <a:p>
+            <a:endParaRPr lang="zh-CN" altLang="en-US" dirty="0"/>
+          </a:p>
+        </p:txBody>
+      </p:sp>
+      <p:sp>
+        <p:nvSpPr>
+          <p:cNvPr id="3" name="内容占位符 2"/>
+          <p:cNvSpPr>
+            <a:spLocks noGrp="1"/>
+          </p:cNvSpPr>
+          <p:nvPr>
+            <p:ph idx="1"/>
+          </p:nvPr>
+        </p:nvSpPr>
+        <p:spPr/>
+        <p:txBody>
+          <a:bodyPr/>
+          <a:lstStyle/>
+          <a:p>
+            <a:endParaRPr lang="zh-CN" altLang="en-US" dirty="0"/>
+          </a:p>
+        </p:txBody>
+      </p:sp>
+    </p:spTree>
+    <p:extLst>
+      <p:ext uri="{BB962C8B-B14F-4D97-AF65-F5344CB8AC3E}">
+        <p14:creationId xmlns:p14="http://schemas.microsoft.com/office/powerpoint/2010/main" val="3719865230"/>
+      </p:ext>
+    </p:extLst>
+  </p:cSld>
+  <p:clrMapOvr>
+    <a:masterClrMapping/>
+  </p:clrMapOvr>
+</p:sld>
+</file>
+
+<file path=ppt/slides/slide9.xml><?xml version="1.0" encoding="utf-8"?>
+<p:sld xmlns:a="http://schemas.openxmlformats.org/drawingml/2006/main" xmlns:r="http://schemas.openxmlformats.org/officeDocument/2006/relationships" xmlns:p="http://schemas.openxmlformats.org/presentationml/2006/main">
+  <p:cSld>
+    <p:spTree>
+      <p:nvGrpSpPr>
+        <p:cNvPr id="1" name=""/>
+        <p:cNvGrpSpPr/>
+        <p:nvPr/>
+      </p:nvGrpSpPr>
+      <p:grpSpPr>
+        <a:xfrm>
+          <a:off x="0" y="0"/>
+          <a:ext cx="0" cy="0"/>
+          <a:chOff x="0" y="0"/>
+          <a:chExt cx="0" cy="0"/>
+        </a:xfrm>
+      </p:grpSpPr>
+      <p:sp>
+        <p:nvSpPr>
+          <p:cNvPr id="2" name="标题 1"/>
+          <p:cNvSpPr>
+            <a:spLocks noGrp="1"/>
+          </p:cNvSpPr>
+          <p:nvPr>
+            <p:ph type="title"/>
+          </p:nvPr>
+        </p:nvSpPr>
+        <p:spPr/>
+        <p:txBody>
+          <a:bodyPr/>
+          <a:lstStyle/>
+          <a:p>
             <a:endParaRPr lang="zh-CN" altLang="en-US"/>
           </a:p>
         </p:txBody>
@@ -3875,10 +4436,10 @@
           </a:p>
           <a:p>
             <a:r>
-              <a:rPr lang="en-US" altLang="zh-CN"/>
+              <a:rPr lang="en-US" altLang="zh-CN" dirty="0"/>
               <a:t>https://www.cnblogs.com/niechen/p/9232914.html</a:t>
             </a:r>
-            <a:endParaRPr lang="zh-CN" altLang="en-US"/>
+            <a:endParaRPr lang="zh-CN" altLang="en-US" dirty="0"/>
           </a:p>
         </p:txBody>
       </p:sp>
